--- a/automation.pptx
+++ b/automation.pptx
@@ -8,36 +8,35 @@
     <p:sldId id="257" r:id="rId2"/>
     <p:sldId id="258" r:id="rId3"/>
     <p:sldId id="259" r:id="rId4"/>
-    <p:sldId id="262" r:id="rId5"/>
-    <p:sldId id="263" r:id="rId6"/>
-    <p:sldId id="264" r:id="rId7"/>
-    <p:sldId id="265" r:id="rId8"/>
-    <p:sldId id="266" r:id="rId9"/>
-    <p:sldId id="267" r:id="rId10"/>
-    <p:sldId id="268" r:id="rId11"/>
-    <p:sldId id="269" r:id="rId12"/>
-    <p:sldId id="270" r:id="rId13"/>
-    <p:sldId id="271" r:id="rId14"/>
-    <p:sldId id="272" r:id="rId15"/>
-    <p:sldId id="273" r:id="rId16"/>
-    <p:sldId id="274" r:id="rId17"/>
-    <p:sldId id="275" r:id="rId18"/>
-    <p:sldId id="277" r:id="rId19"/>
-    <p:sldId id="276" r:id="rId20"/>
-    <p:sldId id="278" r:id="rId21"/>
-    <p:sldId id="279" r:id="rId22"/>
-    <p:sldId id="280" r:id="rId23"/>
-    <p:sldId id="281" r:id="rId24"/>
-    <p:sldId id="282" r:id="rId25"/>
-    <p:sldId id="283" r:id="rId26"/>
-    <p:sldId id="284" r:id="rId27"/>
-    <p:sldId id="285" r:id="rId28"/>
-    <p:sldId id="286" r:id="rId29"/>
-    <p:sldId id="288" r:id="rId30"/>
-    <p:sldId id="287" r:id="rId31"/>
-    <p:sldId id="289" r:id="rId32"/>
-    <p:sldId id="260" r:id="rId33"/>
-    <p:sldId id="261" r:id="rId34"/>
+    <p:sldId id="290" r:id="rId5"/>
+    <p:sldId id="291" r:id="rId6"/>
+    <p:sldId id="262" r:id="rId7"/>
+    <p:sldId id="263" r:id="rId8"/>
+    <p:sldId id="264" r:id="rId9"/>
+    <p:sldId id="265" r:id="rId10"/>
+    <p:sldId id="266" r:id="rId11"/>
+    <p:sldId id="267" r:id="rId12"/>
+    <p:sldId id="268" r:id="rId13"/>
+    <p:sldId id="269" r:id="rId14"/>
+    <p:sldId id="270" r:id="rId15"/>
+    <p:sldId id="271" r:id="rId16"/>
+    <p:sldId id="272" r:id="rId17"/>
+    <p:sldId id="273" r:id="rId18"/>
+    <p:sldId id="274" r:id="rId19"/>
+    <p:sldId id="275" r:id="rId20"/>
+    <p:sldId id="277" r:id="rId21"/>
+    <p:sldId id="276" r:id="rId22"/>
+    <p:sldId id="278" r:id="rId23"/>
+    <p:sldId id="280" r:id="rId24"/>
+    <p:sldId id="281" r:id="rId25"/>
+    <p:sldId id="282" r:id="rId26"/>
+    <p:sldId id="283" r:id="rId27"/>
+    <p:sldId id="284" r:id="rId28"/>
+    <p:sldId id="285" r:id="rId29"/>
+    <p:sldId id="286" r:id="rId30"/>
+    <p:sldId id="288" r:id="rId31"/>
+    <p:sldId id="287" r:id="rId32"/>
+    <p:sldId id="289" r:id="rId33"/>
   </p:sldIdLst>
   <p:sldSz cx="12192000" cy="6858000"/>
   <p:notesSz cx="6858000" cy="9144000"/>
@@ -136,7 +135,16 @@
       </a:defRPr>
     </a:lvl9pPr>
   </p:defaultTextStyle>
+  <p:extLst>
+    <p:ext uri="{EFAFB233-063F-42B5-8137-9DF3F51BA10A}">
+      <p15:sldGuideLst xmlns:p15="http://schemas.microsoft.com/office/powerpoint/2012/main"/>
+    </p:ext>
+  </p:extLst>
 </p:presentation>
+</file>
+
+<file path=ppt/revisionInfo.xml><?xml version="1.0" encoding="utf-8"?>
+<p1510:revInfo xmlns:a="http://schemas.openxmlformats.org/drawingml/2006/main" xmlns:r="http://schemas.openxmlformats.org/officeDocument/2006/relationships" xmlns:p1510="http://schemas.microsoft.com/office/powerpoint/2015/10/main"/>
 </file>
 
 <file path=ppt/slideLayouts/slideLayout1.xml><?xml version="1.0" encoding="utf-8"?>
@@ -181,10 +189,9 @@
           </a:lstStyle>
           <a:p>
             <a:r>
-              <a:rPr lang="en-US" smtClean="0"/>
+              <a:rPr lang="en-US"/>
               <a:t>Click to edit Master title style</a:t>
             </a:r>
-            <a:endParaRPr lang="en-US"/>
           </a:p>
         </p:txBody>
       </p:sp>
@@ -246,10 +253,9 @@
           </a:lstStyle>
           <a:p>
             <a:r>
-              <a:rPr lang="en-US" smtClean="0"/>
+              <a:rPr lang="en-US"/>
               <a:t>Click to edit Master subtitle style</a:t>
             </a:r>
-            <a:endParaRPr lang="en-US"/>
           </a:p>
         </p:txBody>
       </p:sp>
@@ -364,10 +370,9 @@
           <a:lstStyle/>
           <a:p>
             <a:r>
-              <a:rPr lang="en-US" smtClean="0"/>
+              <a:rPr lang="en-US"/>
               <a:t>Click to edit Master title style</a:t>
             </a:r>
-            <a:endParaRPr lang="en-US"/>
           </a:p>
         </p:txBody>
       </p:sp>
@@ -388,38 +393,37 @@
           <a:p>
             <a:pPr lvl="0"/>
             <a:r>
-              <a:rPr lang="en-US" smtClean="0"/>
+              <a:rPr lang="en-US"/>
               <a:t>Edit Master text styles</a:t>
             </a:r>
           </a:p>
           <a:p>
             <a:pPr lvl="1"/>
             <a:r>
-              <a:rPr lang="en-US" smtClean="0"/>
+              <a:rPr lang="en-US"/>
               <a:t>Second level</a:t>
             </a:r>
           </a:p>
           <a:p>
             <a:pPr lvl="2"/>
             <a:r>
-              <a:rPr lang="en-US" smtClean="0"/>
+              <a:rPr lang="en-US"/>
               <a:t>Third level</a:t>
             </a:r>
           </a:p>
           <a:p>
             <a:pPr lvl="3"/>
             <a:r>
-              <a:rPr lang="en-US" smtClean="0"/>
+              <a:rPr lang="en-US"/>
               <a:t>Fourth level</a:t>
             </a:r>
           </a:p>
           <a:p>
             <a:pPr lvl="4"/>
             <a:r>
-              <a:rPr lang="en-US" smtClean="0"/>
+              <a:rPr lang="en-US"/>
               <a:t>Fifth level</a:t>
             </a:r>
-            <a:endParaRPr lang="en-US"/>
           </a:p>
         </p:txBody>
       </p:sp>
@@ -539,10 +543,9 @@
           <a:lstStyle/>
           <a:p>
             <a:r>
-              <a:rPr lang="en-US" smtClean="0"/>
+              <a:rPr lang="en-US"/>
               <a:t>Click to edit Master title style</a:t>
             </a:r>
-            <a:endParaRPr lang="en-US"/>
           </a:p>
         </p:txBody>
       </p:sp>
@@ -568,38 +571,37 @@
           <a:p>
             <a:pPr lvl="0"/>
             <a:r>
-              <a:rPr lang="en-US" smtClean="0"/>
+              <a:rPr lang="en-US"/>
               <a:t>Edit Master text styles</a:t>
             </a:r>
           </a:p>
           <a:p>
             <a:pPr lvl="1"/>
             <a:r>
-              <a:rPr lang="en-US" smtClean="0"/>
+              <a:rPr lang="en-US"/>
               <a:t>Second level</a:t>
             </a:r>
           </a:p>
           <a:p>
             <a:pPr lvl="2"/>
             <a:r>
-              <a:rPr lang="en-US" smtClean="0"/>
+              <a:rPr lang="en-US"/>
               <a:t>Third level</a:t>
             </a:r>
           </a:p>
           <a:p>
             <a:pPr lvl="3"/>
             <a:r>
-              <a:rPr lang="en-US" smtClean="0"/>
+              <a:rPr lang="en-US"/>
               <a:t>Fourth level</a:t>
             </a:r>
           </a:p>
           <a:p>
             <a:pPr lvl="4"/>
             <a:r>
-              <a:rPr lang="en-US" smtClean="0"/>
+              <a:rPr lang="en-US"/>
               <a:t>Fifth level</a:t>
             </a:r>
-            <a:endParaRPr lang="en-US"/>
           </a:p>
         </p:txBody>
       </p:sp>
@@ -714,10 +716,9 @@
           <a:lstStyle/>
           <a:p>
             <a:r>
-              <a:rPr lang="en-US" smtClean="0"/>
+              <a:rPr lang="en-US"/>
               <a:t>Click to edit Master title style</a:t>
             </a:r>
-            <a:endParaRPr lang="en-US"/>
           </a:p>
         </p:txBody>
       </p:sp>
@@ -738,38 +739,37 @@
           <a:p>
             <a:pPr lvl="0"/>
             <a:r>
-              <a:rPr lang="en-US" smtClean="0"/>
+              <a:rPr lang="en-US"/>
               <a:t>Edit Master text styles</a:t>
             </a:r>
           </a:p>
           <a:p>
             <a:pPr lvl="1"/>
             <a:r>
-              <a:rPr lang="en-US" smtClean="0"/>
+              <a:rPr lang="en-US"/>
               <a:t>Second level</a:t>
             </a:r>
           </a:p>
           <a:p>
             <a:pPr lvl="2"/>
             <a:r>
-              <a:rPr lang="en-US" smtClean="0"/>
+              <a:rPr lang="en-US"/>
               <a:t>Third level</a:t>
             </a:r>
           </a:p>
           <a:p>
             <a:pPr lvl="3"/>
             <a:r>
-              <a:rPr lang="en-US" smtClean="0"/>
+              <a:rPr lang="en-US"/>
               <a:t>Fourth level</a:t>
             </a:r>
           </a:p>
           <a:p>
             <a:pPr lvl="4"/>
             <a:r>
-              <a:rPr lang="en-US" smtClean="0"/>
+              <a:rPr lang="en-US"/>
               <a:t>Fifth level</a:t>
             </a:r>
-            <a:endParaRPr lang="en-US"/>
           </a:p>
         </p:txBody>
       </p:sp>
@@ -893,10 +893,9 @@
           </a:lstStyle>
           <a:p>
             <a:r>
-              <a:rPr lang="en-US" smtClean="0"/>
+              <a:rPr lang="en-US"/>
               <a:t>Click to edit Master title style</a:t>
             </a:r>
-            <a:endParaRPr lang="en-US"/>
           </a:p>
         </p:txBody>
       </p:sp>
@@ -1013,7 +1012,7 @@
           <a:p>
             <a:pPr lvl="0"/>
             <a:r>
-              <a:rPr lang="en-US" smtClean="0"/>
+              <a:rPr lang="en-US"/>
               <a:t>Edit Master text styles</a:t>
             </a:r>
           </a:p>
@@ -1130,10 +1129,9 @@
           <a:lstStyle/>
           <a:p>
             <a:r>
-              <a:rPr lang="en-US" smtClean="0"/>
+              <a:rPr lang="en-US"/>
               <a:t>Click to edit Master title style</a:t>
             </a:r>
-            <a:endParaRPr lang="en-US"/>
           </a:p>
         </p:txBody>
       </p:sp>
@@ -1159,38 +1157,37 @@
           <a:p>
             <a:pPr lvl="0"/>
             <a:r>
-              <a:rPr lang="en-US" smtClean="0"/>
+              <a:rPr lang="en-US"/>
               <a:t>Edit Master text styles</a:t>
             </a:r>
           </a:p>
           <a:p>
             <a:pPr lvl="1"/>
             <a:r>
-              <a:rPr lang="en-US" smtClean="0"/>
+              <a:rPr lang="en-US"/>
               <a:t>Second level</a:t>
             </a:r>
           </a:p>
           <a:p>
             <a:pPr lvl="2"/>
             <a:r>
-              <a:rPr lang="en-US" smtClean="0"/>
+              <a:rPr lang="en-US"/>
               <a:t>Third level</a:t>
             </a:r>
           </a:p>
           <a:p>
             <a:pPr lvl="3"/>
             <a:r>
-              <a:rPr lang="en-US" smtClean="0"/>
+              <a:rPr lang="en-US"/>
               <a:t>Fourth level</a:t>
             </a:r>
           </a:p>
           <a:p>
             <a:pPr lvl="4"/>
             <a:r>
-              <a:rPr lang="en-US" smtClean="0"/>
+              <a:rPr lang="en-US"/>
               <a:t>Fifth level</a:t>
             </a:r>
-            <a:endParaRPr lang="en-US"/>
           </a:p>
         </p:txBody>
       </p:sp>
@@ -1216,38 +1213,37 @@
           <a:p>
             <a:pPr lvl="0"/>
             <a:r>
-              <a:rPr lang="en-US" smtClean="0"/>
+              <a:rPr lang="en-US"/>
               <a:t>Edit Master text styles</a:t>
             </a:r>
           </a:p>
           <a:p>
             <a:pPr lvl="1"/>
             <a:r>
-              <a:rPr lang="en-US" smtClean="0"/>
+              <a:rPr lang="en-US"/>
               <a:t>Second level</a:t>
             </a:r>
           </a:p>
           <a:p>
             <a:pPr lvl="2"/>
             <a:r>
-              <a:rPr lang="en-US" smtClean="0"/>
+              <a:rPr lang="en-US"/>
               <a:t>Third level</a:t>
             </a:r>
           </a:p>
           <a:p>
             <a:pPr lvl="3"/>
             <a:r>
-              <a:rPr lang="en-US" smtClean="0"/>
+              <a:rPr lang="en-US"/>
               <a:t>Fourth level</a:t>
             </a:r>
           </a:p>
           <a:p>
             <a:pPr lvl="4"/>
             <a:r>
-              <a:rPr lang="en-US" smtClean="0"/>
+              <a:rPr lang="en-US"/>
               <a:t>Fifth level</a:t>
             </a:r>
-            <a:endParaRPr lang="en-US"/>
           </a:p>
         </p:txBody>
       </p:sp>
@@ -1367,10 +1363,9 @@
           <a:lstStyle/>
           <a:p>
             <a:r>
-              <a:rPr lang="en-US" smtClean="0"/>
+              <a:rPr lang="en-US"/>
               <a:t>Click to edit Master title style</a:t>
             </a:r>
-            <a:endParaRPr lang="en-US"/>
           </a:p>
         </p:txBody>
       </p:sp>
@@ -1433,7 +1428,7 @@
           <a:p>
             <a:pPr lvl="0"/>
             <a:r>
-              <a:rPr lang="en-US" smtClean="0"/>
+              <a:rPr lang="en-US"/>
               <a:t>Edit Master text styles</a:t>
             </a:r>
           </a:p>
@@ -1461,38 +1456,37 @@
           <a:p>
             <a:pPr lvl="0"/>
             <a:r>
-              <a:rPr lang="en-US" smtClean="0"/>
+              <a:rPr lang="en-US"/>
               <a:t>Edit Master text styles</a:t>
             </a:r>
           </a:p>
           <a:p>
             <a:pPr lvl="1"/>
             <a:r>
-              <a:rPr lang="en-US" smtClean="0"/>
+              <a:rPr lang="en-US"/>
               <a:t>Second level</a:t>
             </a:r>
           </a:p>
           <a:p>
             <a:pPr lvl="2"/>
             <a:r>
-              <a:rPr lang="en-US" smtClean="0"/>
+              <a:rPr lang="en-US"/>
               <a:t>Third level</a:t>
             </a:r>
           </a:p>
           <a:p>
             <a:pPr lvl="3"/>
             <a:r>
-              <a:rPr lang="en-US" smtClean="0"/>
+              <a:rPr lang="en-US"/>
               <a:t>Fourth level</a:t>
             </a:r>
           </a:p>
           <a:p>
             <a:pPr lvl="4"/>
             <a:r>
-              <a:rPr lang="en-US" smtClean="0"/>
+              <a:rPr lang="en-US"/>
               <a:t>Fifth level</a:t>
             </a:r>
-            <a:endParaRPr lang="en-US"/>
           </a:p>
         </p:txBody>
       </p:sp>
@@ -1555,7 +1549,7 @@
           <a:p>
             <a:pPr lvl="0"/>
             <a:r>
-              <a:rPr lang="en-US" smtClean="0"/>
+              <a:rPr lang="en-US"/>
               <a:t>Edit Master text styles</a:t>
             </a:r>
           </a:p>
@@ -1583,38 +1577,37 @@
           <a:p>
             <a:pPr lvl="0"/>
             <a:r>
-              <a:rPr lang="en-US" smtClean="0"/>
+              <a:rPr lang="en-US"/>
               <a:t>Edit Master text styles</a:t>
             </a:r>
           </a:p>
           <a:p>
             <a:pPr lvl="1"/>
             <a:r>
-              <a:rPr lang="en-US" smtClean="0"/>
+              <a:rPr lang="en-US"/>
               <a:t>Second level</a:t>
             </a:r>
           </a:p>
           <a:p>
             <a:pPr lvl="2"/>
             <a:r>
-              <a:rPr lang="en-US" smtClean="0"/>
+              <a:rPr lang="en-US"/>
               <a:t>Third level</a:t>
             </a:r>
           </a:p>
           <a:p>
             <a:pPr lvl="3"/>
             <a:r>
-              <a:rPr lang="en-US" smtClean="0"/>
+              <a:rPr lang="en-US"/>
               <a:t>Fourth level</a:t>
             </a:r>
           </a:p>
           <a:p>
             <a:pPr lvl="4"/>
             <a:r>
-              <a:rPr lang="en-US" smtClean="0"/>
+              <a:rPr lang="en-US"/>
               <a:t>Fifth level</a:t>
             </a:r>
-            <a:endParaRPr lang="en-US"/>
           </a:p>
         </p:txBody>
       </p:sp>
@@ -1729,10 +1722,9 @@
           <a:lstStyle/>
           <a:p>
             <a:r>
-              <a:rPr lang="en-US" smtClean="0"/>
+              <a:rPr lang="en-US"/>
               <a:t>Click to edit Master title style</a:t>
             </a:r>
-            <a:endParaRPr lang="en-US"/>
           </a:p>
         </p:txBody>
       </p:sp>
@@ -1951,10 +1943,9 @@
           </a:lstStyle>
           <a:p>
             <a:r>
-              <a:rPr lang="en-US" smtClean="0"/>
+              <a:rPr lang="en-US"/>
               <a:t>Click to edit Master title style</a:t>
             </a:r>
-            <a:endParaRPr lang="en-US"/>
           </a:p>
         </p:txBody>
       </p:sp>
@@ -2008,38 +1999,37 @@
           <a:p>
             <a:pPr lvl="0"/>
             <a:r>
-              <a:rPr lang="en-US" smtClean="0"/>
+              <a:rPr lang="en-US"/>
               <a:t>Edit Master text styles</a:t>
             </a:r>
           </a:p>
           <a:p>
             <a:pPr lvl="1"/>
             <a:r>
-              <a:rPr lang="en-US" smtClean="0"/>
+              <a:rPr lang="en-US"/>
               <a:t>Second level</a:t>
             </a:r>
           </a:p>
           <a:p>
             <a:pPr lvl="2"/>
             <a:r>
-              <a:rPr lang="en-US" smtClean="0"/>
+              <a:rPr lang="en-US"/>
               <a:t>Third level</a:t>
             </a:r>
           </a:p>
           <a:p>
             <a:pPr lvl="3"/>
             <a:r>
-              <a:rPr lang="en-US" smtClean="0"/>
+              <a:rPr lang="en-US"/>
               <a:t>Fourth level</a:t>
             </a:r>
           </a:p>
           <a:p>
             <a:pPr lvl="4"/>
             <a:r>
-              <a:rPr lang="en-US" smtClean="0"/>
+              <a:rPr lang="en-US"/>
               <a:t>Fifth level</a:t>
             </a:r>
-            <a:endParaRPr lang="en-US"/>
           </a:p>
         </p:txBody>
       </p:sp>
@@ -2102,7 +2092,7 @@
           <a:p>
             <a:pPr lvl="0"/>
             <a:r>
-              <a:rPr lang="en-US" smtClean="0"/>
+              <a:rPr lang="en-US"/>
               <a:t>Edit Master text styles</a:t>
             </a:r>
           </a:p>
@@ -2228,10 +2218,9 @@
           </a:lstStyle>
           <a:p>
             <a:r>
-              <a:rPr lang="en-US" smtClean="0"/>
+              <a:rPr lang="en-US"/>
               <a:t>Click to edit Master title style</a:t>
             </a:r>
-            <a:endParaRPr lang="en-US"/>
           </a:p>
         </p:txBody>
       </p:sp>
@@ -2355,7 +2344,7 @@
           <a:p>
             <a:pPr lvl="0"/>
             <a:r>
-              <a:rPr lang="en-US" smtClean="0"/>
+              <a:rPr lang="en-US"/>
               <a:t>Edit Master text styles</a:t>
             </a:r>
           </a:p>
@@ -2487,10 +2476,9 @@
           <a:lstStyle/>
           <a:p>
             <a:r>
-              <a:rPr lang="en-US" smtClean="0"/>
+              <a:rPr lang="en-US"/>
               <a:t>Click to edit Master title style</a:t>
             </a:r>
-            <a:endParaRPr lang="en-US"/>
           </a:p>
         </p:txBody>
       </p:sp>
@@ -2521,38 +2509,37 @@
           <a:p>
             <a:pPr lvl="0"/>
             <a:r>
-              <a:rPr lang="en-US" smtClean="0"/>
+              <a:rPr lang="en-US"/>
               <a:t>Edit Master text styles</a:t>
             </a:r>
           </a:p>
           <a:p>
             <a:pPr lvl="1"/>
             <a:r>
-              <a:rPr lang="en-US" smtClean="0"/>
+              <a:rPr lang="en-US"/>
               <a:t>Second level</a:t>
             </a:r>
           </a:p>
           <a:p>
             <a:pPr lvl="2"/>
             <a:r>
-              <a:rPr lang="en-US" smtClean="0"/>
+              <a:rPr lang="en-US"/>
               <a:t>Third level</a:t>
             </a:r>
           </a:p>
           <a:p>
             <a:pPr lvl="3"/>
             <a:r>
-              <a:rPr lang="en-US" smtClean="0"/>
+              <a:rPr lang="en-US"/>
               <a:t>Fourth level</a:t>
             </a:r>
           </a:p>
           <a:p>
             <a:pPr lvl="4"/>
             <a:r>
-              <a:rPr lang="en-US" smtClean="0"/>
+              <a:rPr lang="en-US"/>
               <a:t>Fifth level</a:t>
             </a:r>
-            <a:endParaRPr lang="en-US"/>
           </a:p>
         </p:txBody>
       </p:sp>
@@ -3037,7 +3024,7 @@
         <p:spPr>
           <a:xfrm>
             <a:off x="735374" y="1485900"/>
-            <a:ext cx="3653541" cy="685800"/>
+            <a:ext cx="3653541" cy="425277"/>
           </a:xfrm>
           <a:prstGeom prst="rect">
             <a:avLst/>
@@ -3060,8 +3047,8 @@
         </p:blipFill>
         <p:spPr>
           <a:xfrm>
-            <a:off x="735374" y="2471737"/>
-            <a:ext cx="2959200" cy="493200"/>
+            <a:off x="613060" y="2135397"/>
+            <a:ext cx="5108618" cy="526862"/>
           </a:xfrm>
           <a:prstGeom prst="rect">
             <a:avLst/>
@@ -3084,8 +3071,8 @@
         </p:blipFill>
         <p:spPr>
           <a:xfrm>
-            <a:off x="864974" y="3264974"/>
-            <a:ext cx="2829599" cy="351388"/>
+            <a:off x="864974" y="2890638"/>
+            <a:ext cx="3608522" cy="448117"/>
           </a:xfrm>
           <a:prstGeom prst="rect">
             <a:avLst/>
@@ -3108,8 +3095,8 @@
         </p:blipFill>
         <p:spPr>
           <a:xfrm>
-            <a:off x="379874" y="3918023"/>
-            <a:ext cx="4009041" cy="788102"/>
+            <a:off x="864974" y="3540365"/>
+            <a:ext cx="4009041" cy="867018"/>
           </a:xfrm>
           <a:prstGeom prst="rect">
             <a:avLst/>
@@ -3132,8 +3119,8 @@
         </p:blipFill>
         <p:spPr>
           <a:xfrm>
-            <a:off x="864974" y="5266685"/>
-            <a:ext cx="3017544" cy="392526"/>
+            <a:off x="864974" y="4608993"/>
+            <a:ext cx="3017544" cy="410136"/>
           </a:xfrm>
           <a:prstGeom prst="rect">
             <a:avLst/>
@@ -3186,8 +3173,8 @@
         </p:blipFill>
         <p:spPr>
           <a:xfrm>
-            <a:off x="3299138" y="836400"/>
-            <a:ext cx="936000" cy="156000"/>
+            <a:off x="2011124" y="559650"/>
+            <a:ext cx="2637489" cy="354750"/>
           </a:xfrm>
           <a:prstGeom prst="rect">
             <a:avLst/>
@@ -3210,8 +3197,8 @@
         </p:blipFill>
         <p:spPr>
           <a:xfrm>
-            <a:off x="5142000" y="2262000"/>
-            <a:ext cx="1908000" cy="2334000"/>
+            <a:off x="2149887" y="1284374"/>
+            <a:ext cx="7552525" cy="3390376"/>
           </a:xfrm>
           <a:prstGeom prst="rect">
             <a:avLst/>
@@ -3234,8 +3221,8 @@
         </p:blipFill>
         <p:spPr>
           <a:xfrm>
-            <a:off x="4938937" y="5147812"/>
-            <a:ext cx="1314000" cy="420000"/>
+            <a:off x="2749349" y="4905337"/>
+            <a:ext cx="2032203" cy="381038"/>
           </a:xfrm>
           <a:prstGeom prst="rect">
             <a:avLst/>
@@ -3245,7 +3232,7 @@
     </p:spTree>
     <p:extLst>
       <p:ext uri="{BB962C8B-B14F-4D97-AF65-F5344CB8AC3E}">
-        <p14:creationId xmlns:p14="http://schemas.microsoft.com/office/powerpoint/2010/main" val="1739006420"/>
+        <p14:creationId xmlns:p14="http://schemas.microsoft.com/office/powerpoint/2010/main" val="1438368985"/>
       </p:ext>
     </p:extLst>
   </p:cSld>
@@ -3288,8 +3275,56 @@
         </p:blipFill>
         <p:spPr>
           <a:xfrm>
-            <a:off x="5664000" y="3318000"/>
-            <a:ext cx="864000" cy="222000"/>
+            <a:off x="1540939" y="830638"/>
+            <a:ext cx="1432061" cy="379075"/>
+          </a:xfrm>
+          <a:prstGeom prst="rect">
+            <a:avLst/>
+          </a:prstGeom>
+        </p:spPr>
+      </p:pic>
+      <p:pic>
+        <p:nvPicPr>
+          <p:cNvPr id="3" name="Picture 2"/>
+          <p:cNvPicPr>
+            <a:picLocks noChangeAspect="1"/>
+          </p:cNvPicPr>
+          <p:nvPr/>
+        </p:nvPicPr>
+        <p:blipFill>
+          <a:blip r:embed="rId3"/>
+          <a:stretch>
+            <a:fillRect/>
+          </a:stretch>
+        </p:blipFill>
+        <p:spPr>
+          <a:xfrm>
+            <a:off x="899894" y="1601631"/>
+            <a:ext cx="6506047" cy="3307487"/>
+          </a:xfrm>
+          <a:prstGeom prst="rect">
+            <a:avLst/>
+          </a:prstGeom>
+        </p:spPr>
+      </p:pic>
+      <p:pic>
+        <p:nvPicPr>
+          <p:cNvPr id="4" name="Picture 3"/>
+          <p:cNvPicPr>
+            <a:picLocks noChangeAspect="1"/>
+          </p:cNvPicPr>
+          <p:nvPr/>
+        </p:nvPicPr>
+        <p:blipFill>
+          <a:blip r:embed="rId4"/>
+          <a:stretch>
+            <a:fillRect/>
+          </a:stretch>
+        </p:blipFill>
+        <p:spPr>
+          <a:xfrm>
+            <a:off x="1688281" y="5301036"/>
+            <a:ext cx="4468214" cy="474000"/>
           </a:xfrm>
           <a:prstGeom prst="rect">
             <a:avLst/>
@@ -3299,7 +3334,7 @@
     </p:spTree>
     <p:extLst>
       <p:ext uri="{BB962C8B-B14F-4D97-AF65-F5344CB8AC3E}">
-        <p14:creationId xmlns:p14="http://schemas.microsoft.com/office/powerpoint/2010/main" val="3926008017"/>
+        <p14:creationId xmlns:p14="http://schemas.microsoft.com/office/powerpoint/2010/main" val="4285664138"/>
       </p:ext>
     </p:extLst>
   </p:cSld>
@@ -3342,8 +3377,8 @@
         </p:blipFill>
         <p:spPr>
           <a:xfrm>
-            <a:off x="4616850" y="983850"/>
-            <a:ext cx="558000" cy="204000"/>
+            <a:off x="1710137" y="571566"/>
+            <a:ext cx="2525001" cy="420834"/>
           </a:xfrm>
           <a:prstGeom prst="rect">
             <a:avLst/>
@@ -3366,8 +3401,8 @@
         </p:blipFill>
         <p:spPr>
           <a:xfrm>
-            <a:off x="5178000" y="2154000"/>
-            <a:ext cx="1836000" cy="2550000"/>
+            <a:off x="1891620" y="1633356"/>
+            <a:ext cx="7531585" cy="3123188"/>
           </a:xfrm>
           <a:prstGeom prst="rect">
             <a:avLst/>
@@ -3390,8 +3425,8 @@
         </p:blipFill>
         <p:spPr>
           <a:xfrm>
-            <a:off x="5457000" y="3231000"/>
-            <a:ext cx="1278000" cy="396000"/>
+            <a:off x="2635486" y="5294395"/>
+            <a:ext cx="3723432" cy="420000"/>
           </a:xfrm>
           <a:prstGeom prst="rect">
             <a:avLst/>
@@ -3401,7 +3436,7 @@
     </p:spTree>
     <p:extLst>
       <p:ext uri="{BB962C8B-B14F-4D97-AF65-F5344CB8AC3E}">
-        <p14:creationId xmlns:p14="http://schemas.microsoft.com/office/powerpoint/2010/main" val="3761417552"/>
+        <p14:creationId xmlns:p14="http://schemas.microsoft.com/office/powerpoint/2010/main" val="1739006420"/>
       </p:ext>
     </p:extLst>
   </p:cSld>
@@ -3444,56 +3479,8 @@
         </p:blipFill>
         <p:spPr>
           <a:xfrm>
-            <a:off x="2161650" y="462825"/>
-            <a:ext cx="3420000" cy="522000"/>
-          </a:xfrm>
-          <a:prstGeom prst="rect">
-            <a:avLst/>
-          </a:prstGeom>
-        </p:spPr>
-      </p:pic>
-      <p:pic>
-        <p:nvPicPr>
-          <p:cNvPr id="3" name="Picture 2"/>
-          <p:cNvPicPr>
-            <a:picLocks noChangeAspect="1"/>
-          </p:cNvPicPr>
-          <p:nvPr/>
-        </p:nvPicPr>
-        <p:blipFill>
-          <a:blip r:embed="rId3"/>
-          <a:stretch>
-            <a:fillRect/>
-          </a:stretch>
-        </p:blipFill>
-        <p:spPr>
-          <a:xfrm>
-            <a:off x="4359000" y="2949000"/>
-            <a:ext cx="3474000" cy="960000"/>
-          </a:xfrm>
-          <a:prstGeom prst="rect">
-            <a:avLst/>
-          </a:prstGeom>
-        </p:spPr>
-      </p:pic>
-      <p:pic>
-        <p:nvPicPr>
-          <p:cNvPr id="4" name="Picture 3"/>
-          <p:cNvPicPr>
-            <a:picLocks noChangeAspect="1"/>
-          </p:cNvPicPr>
-          <p:nvPr/>
-        </p:nvPicPr>
-        <p:blipFill>
-          <a:blip r:embed="rId4"/>
-          <a:stretch>
-            <a:fillRect/>
-          </a:stretch>
-        </p:blipFill>
-        <p:spPr>
-          <a:xfrm>
-            <a:off x="3749475" y="4709175"/>
-            <a:ext cx="3150000" cy="1164000"/>
+            <a:off x="4216011" y="3317999"/>
+            <a:ext cx="3762303" cy="765389"/>
           </a:xfrm>
           <a:prstGeom prst="rect">
             <a:avLst/>
@@ -3503,7 +3490,7 @@
     </p:spTree>
     <p:extLst>
       <p:ext uri="{BB962C8B-B14F-4D97-AF65-F5344CB8AC3E}">
-        <p14:creationId xmlns:p14="http://schemas.microsoft.com/office/powerpoint/2010/main" val="4013640741"/>
+        <p14:creationId xmlns:p14="http://schemas.microsoft.com/office/powerpoint/2010/main" val="3926008017"/>
       </p:ext>
     </p:extLst>
   </p:cSld>
@@ -3546,8 +3533,8 @@
         </p:blipFill>
         <p:spPr>
           <a:xfrm>
-            <a:off x="4512000" y="1788000"/>
-            <a:ext cx="3168000" cy="3282000"/>
+            <a:off x="1524641" y="662762"/>
+            <a:ext cx="1434943" cy="524603"/>
           </a:xfrm>
           <a:prstGeom prst="rect">
             <a:avLst/>
@@ -3570,8 +3557,32 @@
         </p:blipFill>
         <p:spPr>
           <a:xfrm>
-            <a:off x="5133000" y="3354000"/>
-            <a:ext cx="1926000" cy="150000"/>
+            <a:off x="1019102" y="1451872"/>
+            <a:ext cx="7015054" cy="3147426"/>
+          </a:xfrm>
+          <a:prstGeom prst="rect">
+            <a:avLst/>
+          </a:prstGeom>
+        </p:spPr>
+      </p:pic>
+      <p:pic>
+        <p:nvPicPr>
+          <p:cNvPr id="4" name="Picture 3"/>
+          <p:cNvPicPr>
+            <a:picLocks noChangeAspect="1"/>
+          </p:cNvPicPr>
+          <p:nvPr/>
+        </p:nvPicPr>
+        <p:blipFill>
+          <a:blip r:embed="rId4"/>
+          <a:stretch>
+            <a:fillRect/>
+          </a:stretch>
+        </p:blipFill>
+        <p:spPr>
+          <a:xfrm>
+            <a:off x="2242112" y="5263231"/>
+            <a:ext cx="3048844" cy="396000"/>
           </a:xfrm>
           <a:prstGeom prst="rect">
             <a:avLst/>
@@ -3581,7 +3592,7 @@
     </p:spTree>
     <p:extLst>
       <p:ext uri="{BB962C8B-B14F-4D97-AF65-F5344CB8AC3E}">
-        <p14:creationId xmlns:p14="http://schemas.microsoft.com/office/powerpoint/2010/main" val="1778389345"/>
+        <p14:creationId xmlns:p14="http://schemas.microsoft.com/office/powerpoint/2010/main" val="3761417552"/>
       </p:ext>
     </p:extLst>
   </p:cSld>
@@ -3624,8 +3635,8 @@
         </p:blipFill>
         <p:spPr>
           <a:xfrm>
-            <a:off x="4350000" y="1890000"/>
-            <a:ext cx="3492000" cy="3078000"/>
+            <a:off x="2154669" y="462825"/>
+            <a:ext cx="7142893" cy="1421816"/>
           </a:xfrm>
           <a:prstGeom prst="rect">
             <a:avLst/>
@@ -3648,8 +3659,32 @@
         </p:blipFill>
         <p:spPr>
           <a:xfrm>
-            <a:off x="3450000" y="5663288"/>
-            <a:ext cx="2646000" cy="132000"/>
+            <a:off x="2474358" y="2336907"/>
+            <a:ext cx="7046569" cy="1271831"/>
+          </a:xfrm>
+          <a:prstGeom prst="rect">
+            <a:avLst/>
+          </a:prstGeom>
+        </p:spPr>
+      </p:pic>
+      <p:pic>
+        <p:nvPicPr>
+          <p:cNvPr id="4" name="Picture 3"/>
+          <p:cNvPicPr>
+            <a:picLocks noChangeAspect="1"/>
+          </p:cNvPicPr>
+          <p:nvPr/>
+        </p:nvPicPr>
+        <p:blipFill>
+          <a:blip r:embed="rId4"/>
+          <a:stretch>
+            <a:fillRect/>
+          </a:stretch>
+        </p:blipFill>
+        <p:spPr>
+          <a:xfrm>
+            <a:off x="2333061" y="4499770"/>
+            <a:ext cx="7329161" cy="1164000"/>
           </a:xfrm>
           <a:prstGeom prst="rect">
             <a:avLst/>
@@ -3659,7 +3694,7 @@
     </p:spTree>
     <p:extLst>
       <p:ext uri="{BB962C8B-B14F-4D97-AF65-F5344CB8AC3E}">
-        <p14:creationId xmlns:p14="http://schemas.microsoft.com/office/powerpoint/2010/main" val="3278893196"/>
+        <p14:creationId xmlns:p14="http://schemas.microsoft.com/office/powerpoint/2010/main" val="4013640741"/>
       </p:ext>
     </p:extLst>
   </p:cSld>
@@ -3702,8 +3737,8 @@
         </p:blipFill>
         <p:spPr>
           <a:xfrm>
-            <a:off x="4413000" y="2610000"/>
-            <a:ext cx="3366000" cy="1638000"/>
+            <a:off x="2477953" y="484647"/>
+            <a:ext cx="7156023" cy="5186764"/>
           </a:xfrm>
           <a:prstGeom prst="rect">
             <a:avLst/>
@@ -3726,8 +3761,8 @@
         </p:blipFill>
         <p:spPr>
           <a:xfrm>
-            <a:off x="4413000" y="4248000"/>
-            <a:ext cx="3402000" cy="1368000"/>
+            <a:off x="2934483" y="5909210"/>
+            <a:ext cx="5959596" cy="464143"/>
           </a:xfrm>
           <a:prstGeom prst="rect">
             <a:avLst/>
@@ -3737,7 +3772,7 @@
     </p:spTree>
     <p:extLst>
       <p:ext uri="{BB962C8B-B14F-4D97-AF65-F5344CB8AC3E}">
-        <p14:creationId xmlns:p14="http://schemas.microsoft.com/office/powerpoint/2010/main" val="3681348383"/>
+        <p14:creationId xmlns:p14="http://schemas.microsoft.com/office/powerpoint/2010/main" val="1778389345"/>
       </p:ext>
     </p:extLst>
   </p:cSld>
@@ -3780,8 +3815,8 @@
         </p:blipFill>
         <p:spPr>
           <a:xfrm>
-            <a:off x="5754000" y="3327000"/>
-            <a:ext cx="684000" cy="204000"/>
+            <a:off x="2475586" y="604988"/>
+            <a:ext cx="8134246" cy="4795781"/>
           </a:xfrm>
           <a:prstGeom prst="rect">
             <a:avLst/>
@@ -3804,32 +3839,8 @@
         </p:blipFill>
         <p:spPr>
           <a:xfrm>
-            <a:off x="5238712" y="4108237"/>
-            <a:ext cx="1224000" cy="156000"/>
-          </a:xfrm>
-          <a:prstGeom prst="rect">
-            <a:avLst/>
-          </a:prstGeom>
-        </p:spPr>
-      </p:pic>
-      <p:pic>
-        <p:nvPicPr>
-          <p:cNvPr id="4" name="Picture 3"/>
-          <p:cNvPicPr>
-            <a:picLocks noChangeAspect="1"/>
-          </p:cNvPicPr>
-          <p:nvPr/>
-        </p:nvPicPr>
-        <p:blipFill>
-          <a:blip r:embed="rId4"/>
-          <a:stretch>
-            <a:fillRect/>
-          </a:stretch>
-        </p:blipFill>
-        <p:spPr>
-          <a:xfrm>
-            <a:off x="4062000" y="4524375"/>
-            <a:ext cx="3384000" cy="1524000"/>
+            <a:off x="2619361" y="5712148"/>
+            <a:ext cx="8627263" cy="430385"/>
           </a:xfrm>
           <a:prstGeom prst="rect">
             <a:avLst/>
@@ -3839,7 +3850,7 @@
     </p:spTree>
     <p:extLst>
       <p:ext uri="{BB962C8B-B14F-4D97-AF65-F5344CB8AC3E}">
-        <p14:creationId xmlns:p14="http://schemas.microsoft.com/office/powerpoint/2010/main" val="2729973493"/>
+        <p14:creationId xmlns:p14="http://schemas.microsoft.com/office/powerpoint/2010/main" val="3278893196"/>
       </p:ext>
     </p:extLst>
   </p:cSld>
@@ -3882,8 +3893,8 @@
         </p:blipFill>
         <p:spPr>
           <a:xfrm>
-            <a:off x="4953000" y="2199000"/>
-            <a:ext cx="2286000" cy="2460000"/>
+            <a:off x="2422113" y="1298308"/>
+            <a:ext cx="7734009" cy="2949692"/>
           </a:xfrm>
           <a:prstGeom prst="rect">
             <a:avLst/>
@@ -3906,8 +3917,8 @@
         </p:blipFill>
         <p:spPr>
           <a:xfrm>
-            <a:off x="5565000" y="3162000"/>
-            <a:ext cx="1062000" cy="534000"/>
+            <a:off x="2467483" y="4248000"/>
+            <a:ext cx="7643267" cy="2166761"/>
           </a:xfrm>
           <a:prstGeom prst="rect">
             <a:avLst/>
@@ -3917,7 +3928,7 @@
     </p:spTree>
     <p:extLst>
       <p:ext uri="{BB962C8B-B14F-4D97-AF65-F5344CB8AC3E}">
-        <p14:creationId xmlns:p14="http://schemas.microsoft.com/office/powerpoint/2010/main" val="2932794374"/>
+        <p14:creationId xmlns:p14="http://schemas.microsoft.com/office/powerpoint/2010/main" val="3681348383"/>
       </p:ext>
     </p:extLst>
   </p:cSld>
@@ -3960,8 +3971,8 @@
         </p:blipFill>
         <p:spPr>
           <a:xfrm>
-            <a:off x="4368000" y="1740000"/>
-            <a:ext cx="3456000" cy="3378000"/>
+            <a:off x="1091258" y="576820"/>
+            <a:ext cx="1819466" cy="542648"/>
           </a:xfrm>
           <a:prstGeom prst="rect">
             <a:avLst/>
@@ -3984,8 +3995,32 @@
         </p:blipFill>
         <p:spPr>
           <a:xfrm>
-            <a:off x="5340000" y="3354000"/>
-            <a:ext cx="1512000" cy="150000"/>
+            <a:off x="1001759" y="1602362"/>
+            <a:ext cx="3200619" cy="407922"/>
+          </a:xfrm>
+          <a:prstGeom prst="rect">
+            <a:avLst/>
+          </a:prstGeom>
+        </p:spPr>
+      </p:pic>
+      <p:pic>
+        <p:nvPicPr>
+          <p:cNvPr id="4" name="Picture 3"/>
+          <p:cNvPicPr>
+            <a:picLocks noChangeAspect="1"/>
+          </p:cNvPicPr>
+          <p:nvPr/>
+        </p:nvPicPr>
+        <p:blipFill>
+          <a:blip r:embed="rId4"/>
+          <a:stretch>
+            <a:fillRect/>
+          </a:stretch>
+        </p:blipFill>
+        <p:spPr>
+          <a:xfrm>
+            <a:off x="1094838" y="2799042"/>
+            <a:ext cx="8111983" cy="2956167"/>
           </a:xfrm>
           <a:prstGeom prst="rect">
             <a:avLst/>
@@ -3995,7 +4030,7 @@
     </p:spTree>
     <p:extLst>
       <p:ext uri="{BB962C8B-B14F-4D97-AF65-F5344CB8AC3E}">
-        <p14:creationId xmlns:p14="http://schemas.microsoft.com/office/powerpoint/2010/main" val="553114158"/>
+        <p14:creationId xmlns:p14="http://schemas.microsoft.com/office/powerpoint/2010/main" val="2729973493"/>
       </p:ext>
     </p:extLst>
   </p:cSld>
@@ -4062,7 +4097,7 @@
         </p:blipFill>
         <p:spPr>
           <a:xfrm>
-            <a:off x="289283" y="1643062"/>
+            <a:off x="692851" y="1257634"/>
             <a:ext cx="5372579" cy="750225"/>
           </a:xfrm>
           <a:prstGeom prst="rect">
@@ -4086,8 +4121,8 @@
         </p:blipFill>
         <p:spPr>
           <a:xfrm>
-            <a:off x="692851" y="2813915"/>
-            <a:ext cx="2392612" cy="358892"/>
+            <a:off x="790573" y="2328646"/>
+            <a:ext cx="4020111" cy="603017"/>
           </a:xfrm>
           <a:prstGeom prst="rect">
             <a:avLst/>
@@ -4110,8 +4145,8 @@
         </p:blipFill>
         <p:spPr>
           <a:xfrm>
-            <a:off x="533454" y="3329115"/>
-            <a:ext cx="2711406" cy="528639"/>
+            <a:off x="889442" y="3148049"/>
+            <a:ext cx="2711406" cy="702725"/>
           </a:xfrm>
           <a:prstGeom prst="rect">
             <a:avLst/>
@@ -4164,8 +4199,8 @@
         </p:blipFill>
         <p:spPr>
           <a:xfrm>
-            <a:off x="3238050" y="810900"/>
-            <a:ext cx="4230000" cy="1350000"/>
+            <a:off x="1752019" y="423763"/>
+            <a:ext cx="8425044" cy="5476473"/>
           </a:xfrm>
           <a:prstGeom prst="rect">
             <a:avLst/>
@@ -4188,32 +4223,8 @@
         </p:blipFill>
         <p:spPr>
           <a:xfrm>
-            <a:off x="4377000" y="2439000"/>
-            <a:ext cx="3438000" cy="1980000"/>
-          </a:xfrm>
-          <a:prstGeom prst="rect">
-            <a:avLst/>
-          </a:prstGeom>
-        </p:spPr>
-      </p:pic>
-      <p:pic>
-        <p:nvPicPr>
-          <p:cNvPr id="4" name="Picture 3"/>
-          <p:cNvPicPr>
-            <a:picLocks noChangeAspect="1"/>
-          </p:cNvPicPr>
-          <p:nvPr/>
-        </p:nvPicPr>
-        <p:blipFill>
-          <a:blip r:embed="rId4"/>
-          <a:stretch>
-            <a:fillRect/>
-          </a:stretch>
-        </p:blipFill>
-        <p:spPr>
-          <a:xfrm>
-            <a:off x="3238050" y="5181525"/>
-            <a:ext cx="2700000" cy="324000"/>
+            <a:off x="5565000" y="3162000"/>
+            <a:ext cx="1062000" cy="534000"/>
           </a:xfrm>
           <a:prstGeom prst="rect">
             <a:avLst/>
@@ -4223,7 +4234,7 @@
     </p:spTree>
     <p:extLst>
       <p:ext uri="{BB962C8B-B14F-4D97-AF65-F5344CB8AC3E}">
-        <p14:creationId xmlns:p14="http://schemas.microsoft.com/office/powerpoint/2010/main" val="1967790512"/>
+        <p14:creationId xmlns:p14="http://schemas.microsoft.com/office/powerpoint/2010/main" val="2932794374"/>
       </p:ext>
     </p:extLst>
   </p:cSld>
@@ -4266,8 +4277,32 @@
         </p:blipFill>
         <p:spPr>
           <a:xfrm>
-            <a:off x="4899000" y="3057000"/>
-            <a:ext cx="2394000" cy="744000"/>
+            <a:off x="2261568" y="775419"/>
+            <a:ext cx="8250541" cy="5157162"/>
+          </a:xfrm>
+          <a:prstGeom prst="rect">
+            <a:avLst/>
+          </a:prstGeom>
+        </p:spPr>
+      </p:pic>
+      <p:pic>
+        <p:nvPicPr>
+          <p:cNvPr id="3" name="Picture 2"/>
+          <p:cNvPicPr>
+            <a:picLocks noChangeAspect="1"/>
+          </p:cNvPicPr>
+          <p:nvPr/>
+        </p:nvPicPr>
+        <p:blipFill>
+          <a:blip r:embed="rId3"/>
+          <a:stretch>
+            <a:fillRect/>
+          </a:stretch>
+        </p:blipFill>
+        <p:spPr>
+          <a:xfrm>
+            <a:off x="5340000" y="3354000"/>
+            <a:ext cx="1512000" cy="150000"/>
           </a:xfrm>
           <a:prstGeom prst="rect">
             <a:avLst/>
@@ -4277,7 +4312,7 @@
     </p:spTree>
     <p:extLst>
       <p:ext uri="{BB962C8B-B14F-4D97-AF65-F5344CB8AC3E}">
-        <p14:creationId xmlns:p14="http://schemas.microsoft.com/office/powerpoint/2010/main" val="1472414780"/>
+        <p14:creationId xmlns:p14="http://schemas.microsoft.com/office/powerpoint/2010/main" val="553114158"/>
       </p:ext>
     </p:extLst>
   </p:cSld>
@@ -4320,8 +4355,8 @@
         </p:blipFill>
         <p:spPr>
           <a:xfrm>
-            <a:off x="3918000" y="2265000"/>
-            <a:ext cx="4356000" cy="2328000"/>
+            <a:off x="1095884" y="810900"/>
+            <a:ext cx="9716372" cy="1350000"/>
           </a:xfrm>
           <a:prstGeom prst="rect">
             <a:avLst/>
@@ -4344,8 +4379,32 @@
         </p:blipFill>
         <p:spPr>
           <a:xfrm>
-            <a:off x="4224000" y="1233449"/>
-            <a:ext cx="1872000" cy="138150"/>
+            <a:off x="1151725" y="2438999"/>
+            <a:ext cx="8871774" cy="2363345"/>
+          </a:xfrm>
+          <a:prstGeom prst="rect">
+            <a:avLst/>
+          </a:prstGeom>
+        </p:spPr>
+      </p:pic>
+      <p:pic>
+        <p:nvPicPr>
+          <p:cNvPr id="4" name="Picture 3"/>
+          <p:cNvPicPr>
+            <a:picLocks noChangeAspect="1"/>
+          </p:cNvPicPr>
+          <p:nvPr/>
+        </p:nvPicPr>
+        <p:blipFill>
+          <a:blip r:embed="rId4"/>
+          <a:stretch>
+            <a:fillRect/>
+          </a:stretch>
+        </p:blipFill>
+        <p:spPr>
+          <a:xfrm>
+            <a:off x="1465090" y="5411870"/>
+            <a:ext cx="6771489" cy="635229"/>
           </a:xfrm>
           <a:prstGeom prst="rect">
             <a:avLst/>
@@ -4355,7 +4414,7 @@
     </p:spTree>
     <p:extLst>
       <p:ext uri="{BB962C8B-B14F-4D97-AF65-F5344CB8AC3E}">
-        <p14:creationId xmlns:p14="http://schemas.microsoft.com/office/powerpoint/2010/main" val="3520682337"/>
+        <p14:creationId xmlns:p14="http://schemas.microsoft.com/office/powerpoint/2010/main" val="1967790512"/>
       </p:ext>
     </p:extLst>
   </p:cSld>
@@ -4398,8 +4457,32 @@
         </p:blipFill>
         <p:spPr>
           <a:xfrm>
-            <a:off x="4332000" y="2532000"/>
-            <a:ext cx="3528000" cy="1794000"/>
+            <a:off x="1777953" y="1857365"/>
+            <a:ext cx="8368048" cy="4472180"/>
+          </a:xfrm>
+          <a:prstGeom prst="rect">
+            <a:avLst/>
+          </a:prstGeom>
+        </p:spPr>
+      </p:pic>
+      <p:pic>
+        <p:nvPicPr>
+          <p:cNvPr id="3" name="Picture 2"/>
+          <p:cNvPicPr>
+            <a:picLocks noChangeAspect="1"/>
+          </p:cNvPicPr>
+          <p:nvPr/>
+        </p:nvPicPr>
+        <p:blipFill>
+          <a:blip r:embed="rId3"/>
+          <a:stretch>
+            <a:fillRect/>
+          </a:stretch>
+        </p:blipFill>
+        <p:spPr>
+          <a:xfrm>
+            <a:off x="2967571" y="786719"/>
+            <a:ext cx="5986443" cy="441788"/>
           </a:xfrm>
           <a:prstGeom prst="rect">
             <a:avLst/>
@@ -4409,7 +4492,7 @@
     </p:spTree>
     <p:extLst>
       <p:ext uri="{BB962C8B-B14F-4D97-AF65-F5344CB8AC3E}">
-        <p14:creationId xmlns:p14="http://schemas.microsoft.com/office/powerpoint/2010/main" val="2265807858"/>
+        <p14:creationId xmlns:p14="http://schemas.microsoft.com/office/powerpoint/2010/main" val="3520682337"/>
       </p:ext>
     </p:extLst>
   </p:cSld>
@@ -4452,32 +4535,8 @@
         </p:blipFill>
         <p:spPr>
           <a:xfrm>
-            <a:off x="3457650" y="1311038"/>
-            <a:ext cx="1962000" cy="264000"/>
-          </a:xfrm>
-          <a:prstGeom prst="rect">
-            <a:avLst/>
-          </a:prstGeom>
-        </p:spPr>
-      </p:pic>
-      <p:pic>
-        <p:nvPicPr>
-          <p:cNvPr id="3" name="Picture 2"/>
-          <p:cNvPicPr>
-            <a:picLocks noChangeAspect="1"/>
-          </p:cNvPicPr>
-          <p:nvPr/>
-        </p:nvPicPr>
-        <p:blipFill>
-          <a:blip r:embed="rId3"/>
-          <a:stretch>
-            <a:fillRect/>
-          </a:stretch>
-        </p:blipFill>
-        <p:spPr>
-          <a:xfrm>
-            <a:off x="4413000" y="2391000"/>
-            <a:ext cx="3366000" cy="2076000"/>
+            <a:off x="2484933" y="1850658"/>
+            <a:ext cx="7602875" cy="3866087"/>
           </a:xfrm>
           <a:prstGeom prst="rect">
             <a:avLst/>
@@ -4487,7 +4546,7 @@
     </p:spTree>
     <p:extLst>
       <p:ext uri="{BB962C8B-B14F-4D97-AF65-F5344CB8AC3E}">
-        <p14:creationId xmlns:p14="http://schemas.microsoft.com/office/powerpoint/2010/main" val="3791884749"/>
+        <p14:creationId xmlns:p14="http://schemas.microsoft.com/office/powerpoint/2010/main" val="2265807858"/>
       </p:ext>
     </p:extLst>
   </p:cSld>
@@ -4530,8 +4589,8 @@
         </p:blipFill>
         <p:spPr>
           <a:xfrm>
-            <a:off x="4584000" y="2397000"/>
-            <a:ext cx="3024000" cy="2064000"/>
+            <a:off x="1216491" y="788757"/>
+            <a:ext cx="3560985" cy="479154"/>
           </a:xfrm>
           <a:prstGeom prst="rect">
             <a:avLst/>
@@ -4554,8 +4613,8 @@
         </p:blipFill>
         <p:spPr>
           <a:xfrm>
-            <a:off x="4584000" y="5296238"/>
-            <a:ext cx="1854000" cy="66000"/>
+            <a:off x="816679" y="2007092"/>
+            <a:ext cx="8788012" cy="3596634"/>
           </a:xfrm>
           <a:prstGeom prst="rect">
             <a:avLst/>
@@ -4565,7 +4624,7 @@
     </p:spTree>
     <p:extLst>
       <p:ext uri="{BB962C8B-B14F-4D97-AF65-F5344CB8AC3E}">
-        <p14:creationId xmlns:p14="http://schemas.microsoft.com/office/powerpoint/2010/main" val="2090353783"/>
+        <p14:creationId xmlns:p14="http://schemas.microsoft.com/office/powerpoint/2010/main" val="3791884749"/>
       </p:ext>
     </p:extLst>
   </p:cSld>
@@ -4608,8 +4667,8 @@
         </p:blipFill>
         <p:spPr>
           <a:xfrm>
-            <a:off x="4296000" y="1317000"/>
-            <a:ext cx="3600000" cy="4224000"/>
+            <a:off x="1570535" y="912341"/>
+            <a:ext cx="9632610" cy="4330436"/>
           </a:xfrm>
           <a:prstGeom prst="rect">
             <a:avLst/>
@@ -4632,8 +4691,8 @@
         </p:blipFill>
         <p:spPr>
           <a:xfrm>
-            <a:off x="4971000" y="3354000"/>
-            <a:ext cx="2250000" cy="150000"/>
+            <a:off x="2542739" y="5819167"/>
+            <a:ext cx="7106522" cy="252983"/>
           </a:xfrm>
           <a:prstGeom prst="rect">
             <a:avLst/>
@@ -4643,7 +4702,7 @@
     </p:spTree>
     <p:extLst>
       <p:ext uri="{BB962C8B-B14F-4D97-AF65-F5344CB8AC3E}">
-        <p14:creationId xmlns:p14="http://schemas.microsoft.com/office/powerpoint/2010/main" val="2962447426"/>
+        <p14:creationId xmlns:p14="http://schemas.microsoft.com/office/powerpoint/2010/main" val="2090353783"/>
       </p:ext>
     </p:extLst>
   </p:cSld>
@@ -4686,8 +4745,8 @@
         </p:blipFill>
         <p:spPr>
           <a:xfrm>
-            <a:off x="5286000" y="3333000"/>
-            <a:ext cx="1620000" cy="192000"/>
+            <a:off x="837618" y="384259"/>
+            <a:ext cx="10051419" cy="5939481"/>
           </a:xfrm>
           <a:prstGeom prst="rect">
             <a:avLst/>
@@ -4710,8 +4769,8 @@
         </p:blipFill>
         <p:spPr>
           <a:xfrm>
-            <a:off x="4809000" y="2268000"/>
-            <a:ext cx="2574000" cy="2322000"/>
+            <a:off x="4971000" y="3354000"/>
+            <a:ext cx="2250000" cy="150000"/>
           </a:xfrm>
           <a:prstGeom prst="rect">
             <a:avLst/>
@@ -4721,7 +4780,7 @@
     </p:spTree>
     <p:extLst>
       <p:ext uri="{BB962C8B-B14F-4D97-AF65-F5344CB8AC3E}">
-        <p14:creationId xmlns:p14="http://schemas.microsoft.com/office/powerpoint/2010/main" val="2630656214"/>
+        <p14:creationId xmlns:p14="http://schemas.microsoft.com/office/powerpoint/2010/main" val="2962447426"/>
       </p:ext>
     </p:extLst>
   </p:cSld>
@@ -4764,8 +4823,8 @@
         </p:blipFill>
         <p:spPr>
           <a:xfrm>
-            <a:off x="5259000" y="3318000"/>
-            <a:ext cx="1674000" cy="222000"/>
+            <a:off x="5286000" y="3333000"/>
+            <a:ext cx="1620000" cy="192000"/>
           </a:xfrm>
           <a:prstGeom prst="rect">
             <a:avLst/>
@@ -4788,8 +4847,8 @@
         </p:blipFill>
         <p:spPr>
           <a:xfrm>
-            <a:off x="4260000" y="813000"/>
-            <a:ext cx="3672000" cy="5232000"/>
+            <a:off x="2764139" y="1531422"/>
+            <a:ext cx="7524605" cy="3795155"/>
           </a:xfrm>
           <a:prstGeom prst="rect">
             <a:avLst/>
@@ -4799,7 +4858,7 @@
     </p:spTree>
     <p:extLst>
       <p:ext uri="{BB962C8B-B14F-4D97-AF65-F5344CB8AC3E}">
-        <p14:creationId xmlns:p14="http://schemas.microsoft.com/office/powerpoint/2010/main" val="429755262"/>
+        <p14:creationId xmlns:p14="http://schemas.microsoft.com/office/powerpoint/2010/main" val="2630656214"/>
       </p:ext>
     </p:extLst>
   </p:cSld>
@@ -4842,8 +4901,8 @@
         </p:blipFill>
         <p:spPr>
           <a:xfrm>
-            <a:off x="2149837" y="917700"/>
-            <a:ext cx="720000" cy="222000"/>
+            <a:off x="5259000" y="3318000"/>
+            <a:ext cx="1674000" cy="222000"/>
           </a:xfrm>
           <a:prstGeom prst="rect">
             <a:avLst/>
@@ -4866,80 +4925,8 @@
         </p:blipFill>
         <p:spPr>
           <a:xfrm>
-            <a:off x="5619000" y="3342000"/>
-            <a:ext cx="954000" cy="174000"/>
-          </a:xfrm>
-          <a:prstGeom prst="rect">
-            <a:avLst/>
-          </a:prstGeom>
-        </p:spPr>
-      </p:pic>
-      <p:pic>
-        <p:nvPicPr>
-          <p:cNvPr id="4" name="Picture 3"/>
-          <p:cNvPicPr>
-            <a:picLocks noChangeAspect="1"/>
-          </p:cNvPicPr>
-          <p:nvPr/>
-        </p:nvPicPr>
-        <p:blipFill>
-          <a:blip r:embed="rId4"/>
-          <a:stretch>
-            <a:fillRect/>
-          </a:stretch>
-        </p:blipFill>
-        <p:spPr>
-          <a:xfrm>
-            <a:off x="5106000" y="3333000"/>
-            <a:ext cx="1980000" cy="192000"/>
-          </a:xfrm>
-          <a:prstGeom prst="rect">
-            <a:avLst/>
-          </a:prstGeom>
-        </p:spPr>
-      </p:pic>
-      <p:pic>
-        <p:nvPicPr>
-          <p:cNvPr id="5" name="Picture 4"/>
-          <p:cNvPicPr>
-            <a:picLocks noChangeAspect="1"/>
-          </p:cNvPicPr>
-          <p:nvPr/>
-        </p:nvPicPr>
-        <p:blipFill>
-          <a:blip r:embed="rId5"/>
-          <a:stretch>
-            <a:fillRect/>
-          </a:stretch>
-        </p:blipFill>
-        <p:spPr>
-          <a:xfrm>
-            <a:off x="5691000" y="3339000"/>
-            <a:ext cx="810000" cy="180000"/>
-          </a:xfrm>
-          <a:prstGeom prst="rect">
-            <a:avLst/>
-          </a:prstGeom>
-        </p:spPr>
-      </p:pic>
-      <p:pic>
-        <p:nvPicPr>
-          <p:cNvPr id="6" name="Picture 5"/>
-          <p:cNvPicPr>
-            <a:picLocks noChangeAspect="1"/>
-          </p:cNvPicPr>
-          <p:nvPr/>
-        </p:nvPicPr>
-        <p:blipFill>
-          <a:blip r:embed="rId6"/>
-          <a:stretch>
-            <a:fillRect/>
-          </a:stretch>
-        </p:blipFill>
-        <p:spPr>
-          <a:xfrm>
-            <a:off x="5574000" y="3354000"/>
-            <a:ext cx="1044000" cy="150000"/>
+            <a:off x="1382069" y="300146"/>
+            <a:ext cx="8062077" cy="5933317"/>
           </a:xfrm>
           <a:prstGeom prst="rect">
             <a:avLst/>
@@ -4949,7 +4936,7 @@
     </p:spTree>
     <p:extLst>
       <p:ext uri="{BB962C8B-B14F-4D97-AF65-F5344CB8AC3E}">
-        <p14:creationId xmlns:p14="http://schemas.microsoft.com/office/powerpoint/2010/main" val="632069009"/>
+        <p14:creationId xmlns:p14="http://schemas.microsoft.com/office/powerpoint/2010/main" val="429755262"/>
       </p:ext>
     </p:extLst>
   </p:cSld>
@@ -4992,7 +4979,7 @@
         </p:blipFill>
         <p:spPr>
           <a:xfrm>
-            <a:off x="-150999" y="785813"/>
+            <a:off x="295731" y="415865"/>
             <a:ext cx="6113462" cy="844950"/>
           </a:xfrm>
           <a:prstGeom prst="rect">
@@ -5040,8 +5027,8 @@
         </p:blipFill>
         <p:spPr>
           <a:xfrm>
-            <a:off x="4656000" y="2430000"/>
-            <a:ext cx="2880000" cy="1998000"/>
+            <a:off x="2053861" y="2709205"/>
+            <a:ext cx="7250682" cy="3000559"/>
           </a:xfrm>
           <a:prstGeom prst="rect">
             <a:avLst/>
@@ -5064,7 +5051,7 @@
         </p:blipFill>
         <p:spPr>
           <a:xfrm>
-            <a:off x="1710075" y="5229374"/>
+            <a:off x="1479730" y="6003362"/>
             <a:ext cx="8524832" cy="499913"/>
           </a:xfrm>
           <a:prstGeom prst="rect">
@@ -5118,8 +5105,8 @@
         </p:blipFill>
         <p:spPr>
           <a:xfrm>
-            <a:off x="4350000" y="1833000"/>
-            <a:ext cx="3492000" cy="3192000"/>
+            <a:off x="1235436" y="715275"/>
+            <a:ext cx="1664533" cy="513231"/>
           </a:xfrm>
           <a:prstGeom prst="rect">
             <a:avLst/>
@@ -5142,8 +5129,8 @@
         </p:blipFill>
         <p:spPr>
           <a:xfrm>
-            <a:off x="4926000" y="3381000"/>
-            <a:ext cx="2340000" cy="96000"/>
+            <a:off x="1183484" y="3276176"/>
+            <a:ext cx="1921712" cy="350501"/>
           </a:xfrm>
           <a:prstGeom prst="rect">
             <a:avLst/>
@@ -5166,8 +5153,56 @@
         </p:blipFill>
         <p:spPr>
           <a:xfrm>
-            <a:off x="4223775" y="5132363"/>
-            <a:ext cx="2430000" cy="108000"/>
+            <a:off x="1235436" y="1326733"/>
+            <a:ext cx="3452204" cy="435257"/>
+          </a:xfrm>
+          <a:prstGeom prst="rect">
+            <a:avLst/>
+          </a:prstGeom>
+        </p:spPr>
+      </p:pic>
+      <p:pic>
+        <p:nvPicPr>
+          <p:cNvPr id="5" name="Picture 4"/>
+          <p:cNvPicPr>
+            <a:picLocks noChangeAspect="1"/>
+          </p:cNvPicPr>
+          <p:nvPr/>
+        </p:nvPicPr>
+        <p:blipFill>
+          <a:blip r:embed="rId5"/>
+          <a:stretch>
+            <a:fillRect/>
+          </a:stretch>
+        </p:blipFill>
+        <p:spPr>
+          <a:xfrm>
+            <a:off x="1235436" y="2571182"/>
+            <a:ext cx="2061914" cy="458203"/>
+          </a:xfrm>
+          <a:prstGeom prst="rect">
+            <a:avLst/>
+          </a:prstGeom>
+        </p:spPr>
+      </p:pic>
+      <p:pic>
+        <p:nvPicPr>
+          <p:cNvPr id="6" name="Picture 5"/>
+          <p:cNvPicPr>
+            <a:picLocks noChangeAspect="1"/>
+          </p:cNvPicPr>
+          <p:nvPr/>
+        </p:nvPicPr>
+        <p:blipFill>
+          <a:blip r:embed="rId6"/>
+          <a:stretch>
+            <a:fillRect/>
+          </a:stretch>
+        </p:blipFill>
+        <p:spPr>
+          <a:xfrm>
+            <a:off x="1183484" y="2020254"/>
+            <a:ext cx="3327604" cy="304137"/>
           </a:xfrm>
           <a:prstGeom prst="rect">
             <a:avLst/>
@@ -5177,7 +5212,7 @@
     </p:spTree>
     <p:extLst>
       <p:ext uri="{BB962C8B-B14F-4D97-AF65-F5344CB8AC3E}">
-        <p14:creationId xmlns:p14="http://schemas.microsoft.com/office/powerpoint/2010/main" val="1381843598"/>
+        <p14:creationId xmlns:p14="http://schemas.microsoft.com/office/powerpoint/2010/main" val="632069009"/>
       </p:ext>
     </p:extLst>
   </p:cSld>
@@ -5220,8 +5255,8 @@
         </p:blipFill>
         <p:spPr>
           <a:xfrm>
-            <a:off x="5385000" y="3351000"/>
-            <a:ext cx="1422000" cy="156000"/>
+            <a:off x="1835781" y="358556"/>
+            <a:ext cx="7587425" cy="5120154"/>
           </a:xfrm>
           <a:prstGeom prst="rect">
             <a:avLst/>
@@ -5244,8 +5279,8 @@
         </p:blipFill>
         <p:spPr>
           <a:xfrm>
-            <a:off x="4413000" y="2643000"/>
-            <a:ext cx="3366000" cy="1572000"/>
+            <a:off x="2147898" y="5621629"/>
+            <a:ext cx="4360151" cy="178878"/>
           </a:xfrm>
           <a:prstGeom prst="rect">
             <a:avLst/>
@@ -5268,8 +5303,8 @@
         </p:blipFill>
         <p:spPr>
           <a:xfrm>
-            <a:off x="5205000" y="3342000"/>
-            <a:ext cx="1782000" cy="174000"/>
+            <a:off x="2147897" y="5997902"/>
+            <a:ext cx="4024755" cy="256316"/>
           </a:xfrm>
           <a:prstGeom prst="rect">
             <a:avLst/>
@@ -5279,7 +5314,7 @@
     </p:spTree>
     <p:extLst>
       <p:ext uri="{BB962C8B-B14F-4D97-AF65-F5344CB8AC3E}">
-        <p14:creationId xmlns:p14="http://schemas.microsoft.com/office/powerpoint/2010/main" val="167475910"/>
+        <p14:creationId xmlns:p14="http://schemas.microsoft.com/office/powerpoint/2010/main" val="1381843598"/>
       </p:ext>
     </p:extLst>
   </p:cSld>
@@ -5322,8 +5357,8 @@
         </p:blipFill>
         <p:spPr>
           <a:xfrm>
-            <a:off x="4629000" y="1599000"/>
-            <a:ext cx="2934000" cy="3660000"/>
+            <a:off x="5385000" y="3351000"/>
+            <a:ext cx="1422000" cy="156000"/>
           </a:xfrm>
           <a:prstGeom prst="rect">
             <a:avLst/>
@@ -5346,8 +5381,32 @@
         </p:blipFill>
         <p:spPr>
           <a:xfrm>
-            <a:off x="2386199" y="465636"/>
-            <a:ext cx="4085369" cy="348751"/>
+            <a:off x="1466152" y="851577"/>
+            <a:ext cx="8976156" cy="4659716"/>
+          </a:xfrm>
+          <a:prstGeom prst="rect">
+            <a:avLst/>
+          </a:prstGeom>
+        </p:spPr>
+      </p:pic>
+      <p:pic>
+        <p:nvPicPr>
+          <p:cNvPr id="4" name="Picture 3"/>
+          <p:cNvPicPr>
+            <a:picLocks noChangeAspect="1"/>
+          </p:cNvPicPr>
+          <p:nvPr/>
+        </p:nvPicPr>
+        <p:blipFill>
+          <a:blip r:embed="rId4"/>
+          <a:stretch>
+            <a:fillRect/>
+          </a:stretch>
+        </p:blipFill>
+        <p:spPr>
+          <a:xfrm>
+            <a:off x="5205000" y="3342000"/>
+            <a:ext cx="1782000" cy="174000"/>
           </a:xfrm>
           <a:prstGeom prst="rect">
             <a:avLst/>
@@ -5357,109 +5416,7 @@
     </p:spTree>
     <p:extLst>
       <p:ext uri="{BB962C8B-B14F-4D97-AF65-F5344CB8AC3E}">
-        <p14:creationId xmlns:p14="http://schemas.microsoft.com/office/powerpoint/2010/main" val="1133046689"/>
-      </p:ext>
-    </p:extLst>
-  </p:cSld>
-  <p:clrMapOvr>
-    <a:masterClrMapping/>
-  </p:clrMapOvr>
-</p:sld>
-</file>
-
-<file path=ppt/slides/slide33.xml><?xml version="1.0" encoding="utf-8"?>
-<p:sld xmlns:a="http://schemas.openxmlformats.org/drawingml/2006/main" xmlns:r="http://schemas.openxmlformats.org/officeDocument/2006/relationships" xmlns:p="http://schemas.openxmlformats.org/presentationml/2006/main">
-  <p:cSld>
-    <p:spTree>
-      <p:nvGrpSpPr>
-        <p:cNvPr id="1" name=""/>
-        <p:cNvGrpSpPr/>
-        <p:nvPr/>
-      </p:nvGrpSpPr>
-      <p:grpSpPr>
-        <a:xfrm>
-          <a:off x="0" y="0"/>
-          <a:ext cx="0" cy="0"/>
-          <a:chOff x="0" y="0"/>
-          <a:chExt cx="0" cy="0"/>
-        </a:xfrm>
-      </p:grpSpPr>
-      <p:pic>
-        <p:nvPicPr>
-          <p:cNvPr id="2" name="Picture 1"/>
-          <p:cNvPicPr>
-            <a:picLocks noChangeAspect="1"/>
-          </p:cNvPicPr>
-          <p:nvPr/>
-        </p:nvPicPr>
-        <p:blipFill>
-          <a:blip r:embed="rId2"/>
-          <a:stretch>
-            <a:fillRect/>
-          </a:stretch>
-        </p:blipFill>
-        <p:spPr>
-          <a:xfrm>
-            <a:off x="2874787" y="987562"/>
-            <a:ext cx="2242521" cy="498338"/>
-          </a:xfrm>
-          <a:prstGeom prst="rect">
-            <a:avLst/>
-          </a:prstGeom>
-        </p:spPr>
-      </p:pic>
-      <p:pic>
-        <p:nvPicPr>
-          <p:cNvPr id="3" name="Picture 2"/>
-          <p:cNvPicPr>
-            <a:picLocks noChangeAspect="1"/>
-          </p:cNvPicPr>
-          <p:nvPr/>
-        </p:nvPicPr>
-        <p:blipFill>
-          <a:blip r:embed="rId3"/>
-          <a:stretch>
-            <a:fillRect/>
-          </a:stretch>
-        </p:blipFill>
-        <p:spPr>
-          <a:xfrm>
-            <a:off x="4566000" y="1272000"/>
-            <a:ext cx="3060000" cy="4314000"/>
-          </a:xfrm>
-          <a:prstGeom prst="rect">
-            <a:avLst/>
-          </a:prstGeom>
-        </p:spPr>
-      </p:pic>
-      <p:pic>
-        <p:nvPicPr>
-          <p:cNvPr id="4" name="Picture 3"/>
-          <p:cNvPicPr>
-            <a:picLocks noChangeAspect="1"/>
-          </p:cNvPicPr>
-          <p:nvPr/>
-        </p:nvPicPr>
-        <p:blipFill>
-          <a:blip r:embed="rId4"/>
-          <a:stretch>
-            <a:fillRect/>
-          </a:stretch>
-        </p:blipFill>
-        <p:spPr>
-          <a:xfrm>
-            <a:off x="2154786" y="5586000"/>
-            <a:ext cx="2968049" cy="284438"/>
-          </a:xfrm>
-          <a:prstGeom prst="rect">
-            <a:avLst/>
-          </a:prstGeom>
-        </p:spPr>
-      </p:pic>
-    </p:spTree>
-    <p:extLst>
-      <p:ext uri="{BB962C8B-B14F-4D97-AF65-F5344CB8AC3E}">
-        <p14:creationId xmlns:p14="http://schemas.microsoft.com/office/powerpoint/2010/main" val="2126485534"/>
+        <p14:creationId xmlns:p14="http://schemas.microsoft.com/office/powerpoint/2010/main" val="167475910"/>
       </p:ext>
     </p:extLst>
   </p:cSld>
@@ -5502,8 +5459,8 @@
         </p:blipFill>
         <p:spPr>
           <a:xfrm>
-            <a:off x="3188437" y="2274788"/>
-            <a:ext cx="2268000" cy="1194000"/>
+            <a:off x="1863700" y="1598999"/>
+            <a:ext cx="7636287" cy="4020023"/>
           </a:xfrm>
           <a:prstGeom prst="rect">
             <a:avLst/>
@@ -5526,8 +5483,8 @@
         </p:blipFill>
         <p:spPr>
           <a:xfrm>
-            <a:off x="3440437" y="1503487"/>
-            <a:ext cx="882000" cy="222000"/>
+            <a:off x="2386199" y="465636"/>
+            <a:ext cx="4085369" cy="348751"/>
           </a:xfrm>
           <a:prstGeom prst="rect">
             <a:avLst/>
@@ -5537,7 +5494,7 @@
     </p:spTree>
     <p:extLst>
       <p:ext uri="{BB962C8B-B14F-4D97-AF65-F5344CB8AC3E}">
-        <p14:creationId xmlns:p14="http://schemas.microsoft.com/office/powerpoint/2010/main" val="2348694212"/>
+        <p14:creationId xmlns:p14="http://schemas.microsoft.com/office/powerpoint/2010/main" val="2288363297"/>
       </p:ext>
     </p:extLst>
   </p:cSld>
@@ -5580,8 +5537,56 @@
         </p:blipFill>
         <p:spPr>
           <a:xfrm>
-            <a:off x="3634792" y="4267489"/>
-            <a:ext cx="3438000" cy="2040000"/>
+            <a:off x="1033525" y="310488"/>
+            <a:ext cx="2242521" cy="498338"/>
+          </a:xfrm>
+          <a:prstGeom prst="rect">
+            <a:avLst/>
+          </a:prstGeom>
+        </p:spPr>
+      </p:pic>
+      <p:pic>
+        <p:nvPicPr>
+          <p:cNvPr id="3" name="Picture 2"/>
+          <p:cNvPicPr>
+            <a:picLocks noChangeAspect="1"/>
+          </p:cNvPicPr>
+          <p:nvPr/>
+        </p:nvPicPr>
+        <p:blipFill>
+          <a:blip r:embed="rId3"/>
+          <a:stretch>
+            <a:fillRect/>
+          </a:stretch>
+        </p:blipFill>
+        <p:spPr>
+          <a:xfrm>
+            <a:off x="1731079" y="1272000"/>
+            <a:ext cx="8138858" cy="4836658"/>
+          </a:xfrm>
+          <a:prstGeom prst="rect">
+            <a:avLst/>
+          </a:prstGeom>
+        </p:spPr>
+      </p:pic>
+      <p:pic>
+        <p:nvPicPr>
+          <p:cNvPr id="4" name="Picture 3"/>
+          <p:cNvPicPr>
+            <a:picLocks noChangeAspect="1"/>
+          </p:cNvPicPr>
+          <p:nvPr/>
+        </p:nvPicPr>
+        <p:blipFill>
+          <a:blip r:embed="rId4"/>
+          <a:stretch>
+            <a:fillRect/>
+          </a:stretch>
+        </p:blipFill>
+        <p:spPr>
+          <a:xfrm>
+            <a:off x="3006365" y="6049174"/>
+            <a:ext cx="2968049" cy="284438"/>
           </a:xfrm>
           <a:prstGeom prst="rect">
             <a:avLst/>
@@ -5591,7 +5596,7 @@
     </p:spTree>
     <p:extLst>
       <p:ext uri="{BB962C8B-B14F-4D97-AF65-F5344CB8AC3E}">
-        <p14:creationId xmlns:p14="http://schemas.microsoft.com/office/powerpoint/2010/main" val="3859714757"/>
+        <p14:creationId xmlns:p14="http://schemas.microsoft.com/office/powerpoint/2010/main" val="1688578690"/>
       </p:ext>
     </p:extLst>
   </p:cSld>
@@ -5634,8 +5639,8 @@
         </p:blipFill>
         <p:spPr>
           <a:xfrm>
-            <a:off x="4746000" y="2400000"/>
-            <a:ext cx="2700000" cy="2058000"/>
+            <a:off x="1485280" y="1971574"/>
+            <a:ext cx="7260852" cy="2914852"/>
           </a:xfrm>
           <a:prstGeom prst="rect">
             <a:avLst/>
@@ -5658,32 +5663,8 @@
         </p:blipFill>
         <p:spPr>
           <a:xfrm>
-            <a:off x="4879972" y="4852605"/>
-            <a:ext cx="342000" cy="132000"/>
-          </a:xfrm>
-          <a:prstGeom prst="rect">
-            <a:avLst/>
-          </a:prstGeom>
-        </p:spPr>
-      </p:pic>
-      <p:pic>
-        <p:nvPicPr>
-          <p:cNvPr id="4" name="Picture 3"/>
-          <p:cNvPicPr>
-            <a:picLocks noChangeAspect="1"/>
-          </p:cNvPicPr>
-          <p:nvPr/>
-        </p:nvPicPr>
-        <p:blipFill>
-          <a:blip r:embed="rId4"/>
-          <a:stretch>
-            <a:fillRect/>
-          </a:stretch>
-        </p:blipFill>
-        <p:spPr>
-          <a:xfrm>
-            <a:off x="5097421" y="4918605"/>
-            <a:ext cx="774000" cy="144000"/>
+            <a:off x="1213769" y="610028"/>
+            <a:ext cx="1542046" cy="388134"/>
           </a:xfrm>
           <a:prstGeom prst="rect">
             <a:avLst/>
@@ -5693,7 +5674,7 @@
     </p:spTree>
     <p:extLst>
       <p:ext uri="{BB962C8B-B14F-4D97-AF65-F5344CB8AC3E}">
-        <p14:creationId xmlns:p14="http://schemas.microsoft.com/office/powerpoint/2010/main" val="3084575296"/>
+        <p14:creationId xmlns:p14="http://schemas.microsoft.com/office/powerpoint/2010/main" val="2348694212"/>
       </p:ext>
     </p:extLst>
   </p:cSld>
@@ -5736,80 +5717,8 @@
         </p:blipFill>
         <p:spPr>
           <a:xfrm>
-            <a:off x="1878824" y="529650"/>
-            <a:ext cx="2676723" cy="499050"/>
-          </a:xfrm>
-          <a:prstGeom prst="rect">
-            <a:avLst/>
-          </a:prstGeom>
-        </p:spPr>
-      </p:pic>
-      <p:pic>
-        <p:nvPicPr>
-          <p:cNvPr id="3" name="Picture 2"/>
-          <p:cNvPicPr>
-            <a:picLocks noChangeAspect="1"/>
-          </p:cNvPicPr>
-          <p:nvPr/>
-        </p:nvPicPr>
-        <p:blipFill>
-          <a:blip r:embed="rId3"/>
-          <a:stretch>
-            <a:fillRect/>
-          </a:stretch>
-        </p:blipFill>
-        <p:spPr>
-          <a:xfrm>
-            <a:off x="2004374" y="1596638"/>
-            <a:ext cx="813503" cy="260738"/>
-          </a:xfrm>
-          <a:prstGeom prst="rect">
-            <a:avLst/>
-          </a:prstGeom>
-        </p:spPr>
-      </p:pic>
-      <p:pic>
-        <p:nvPicPr>
-          <p:cNvPr id="4" name="Picture 3"/>
-          <p:cNvPicPr>
-            <a:picLocks noChangeAspect="1"/>
-          </p:cNvPicPr>
-          <p:nvPr/>
-        </p:nvPicPr>
-        <p:blipFill>
-          <a:blip r:embed="rId4"/>
-          <a:stretch>
-            <a:fillRect/>
-          </a:stretch>
-        </p:blipFill>
-        <p:spPr>
-          <a:xfrm>
-            <a:off x="2302852" y="2425314"/>
-            <a:ext cx="1458000" cy="1086637"/>
-          </a:xfrm>
-          <a:prstGeom prst="rect">
-            <a:avLst/>
-          </a:prstGeom>
-        </p:spPr>
-      </p:pic>
-      <p:pic>
-        <p:nvPicPr>
-          <p:cNvPr id="5" name="Picture 4"/>
-          <p:cNvPicPr>
-            <a:picLocks noChangeAspect="1"/>
-          </p:cNvPicPr>
-          <p:nvPr/>
-        </p:nvPicPr>
-        <p:blipFill>
-          <a:blip r:embed="rId5"/>
-          <a:stretch>
-            <a:fillRect/>
-          </a:stretch>
-        </p:blipFill>
-        <p:spPr>
-          <a:xfrm>
-            <a:off x="5421000" y="3246000"/>
-            <a:ext cx="1350000" cy="366000"/>
+            <a:off x="2148019" y="1286963"/>
+            <a:ext cx="7947791" cy="4715967"/>
           </a:xfrm>
           <a:prstGeom prst="rect">
             <a:avLst/>
@@ -5819,7 +5728,7 @@
     </p:spTree>
     <p:extLst>
       <p:ext uri="{BB962C8B-B14F-4D97-AF65-F5344CB8AC3E}">
-        <p14:creationId xmlns:p14="http://schemas.microsoft.com/office/powerpoint/2010/main" val="3810885099"/>
+        <p14:creationId xmlns:p14="http://schemas.microsoft.com/office/powerpoint/2010/main" val="3859714757"/>
       </p:ext>
     </p:extLst>
   </p:cSld>
@@ -5862,8 +5771,8 @@
         </p:blipFill>
         <p:spPr>
           <a:xfrm>
-            <a:off x="2011124" y="559650"/>
-            <a:ext cx="2637489" cy="354750"/>
+            <a:off x="2875823" y="771481"/>
+            <a:ext cx="6121594" cy="4666014"/>
           </a:xfrm>
           <a:prstGeom prst="rect">
             <a:avLst/>
@@ -5886,8 +5795,8 @@
         </p:blipFill>
         <p:spPr>
           <a:xfrm>
-            <a:off x="4530000" y="2538000"/>
-            <a:ext cx="3132000" cy="1782000"/>
+            <a:off x="4418437" y="5609466"/>
+            <a:ext cx="796555" cy="307442"/>
           </a:xfrm>
           <a:prstGeom prst="rect">
             <a:avLst/>
@@ -5910,8 +5819,8 @@
         </p:blipFill>
         <p:spPr>
           <a:xfrm>
-            <a:off x="2749349" y="4905337"/>
-            <a:ext cx="2032203" cy="381038"/>
+            <a:off x="4929896" y="5609466"/>
+            <a:ext cx="2564160" cy="477053"/>
           </a:xfrm>
           <a:prstGeom prst="rect">
             <a:avLst/>
@@ -5921,7 +5830,7 @@
     </p:spTree>
     <p:extLst>
       <p:ext uri="{BB962C8B-B14F-4D97-AF65-F5344CB8AC3E}">
-        <p14:creationId xmlns:p14="http://schemas.microsoft.com/office/powerpoint/2010/main" val="1438368985"/>
+        <p14:creationId xmlns:p14="http://schemas.microsoft.com/office/powerpoint/2010/main" val="3084575296"/>
       </p:ext>
     </p:extLst>
   </p:cSld>
@@ -5964,8 +5873,8 @@
         </p:blipFill>
         <p:spPr>
           <a:xfrm>
-            <a:off x="2361000" y="1047713"/>
-            <a:ext cx="612000" cy="162000"/>
+            <a:off x="1878824" y="529650"/>
+            <a:ext cx="2676723" cy="499050"/>
           </a:xfrm>
           <a:prstGeom prst="rect">
             <a:avLst/>
@@ -5988,8 +5897,8 @@
         </p:blipFill>
         <p:spPr>
           <a:xfrm>
-            <a:off x="5043000" y="2595000"/>
-            <a:ext cx="2106000" cy="1668000"/>
+            <a:off x="2004374" y="1596638"/>
+            <a:ext cx="813503" cy="260738"/>
           </a:xfrm>
           <a:prstGeom prst="rect">
             <a:avLst/>
@@ -6012,8 +5921,32 @@
         </p:blipFill>
         <p:spPr>
           <a:xfrm>
-            <a:off x="5304000" y="3192000"/>
-            <a:ext cx="1584000" cy="474000"/>
+            <a:off x="1834450" y="2164576"/>
+            <a:ext cx="4844824" cy="1797678"/>
+          </a:xfrm>
+          <a:prstGeom prst="rect">
+            <a:avLst/>
+          </a:prstGeom>
+        </p:spPr>
+      </p:pic>
+      <p:pic>
+        <p:nvPicPr>
+          <p:cNvPr id="5" name="Picture 4"/>
+          <p:cNvPicPr>
+            <a:picLocks noChangeAspect="1"/>
+          </p:cNvPicPr>
+          <p:nvPr/>
+        </p:nvPicPr>
+        <p:blipFill>
+          <a:blip r:embed="rId5"/>
+          <a:stretch>
+            <a:fillRect/>
+          </a:stretch>
+        </p:blipFill>
+        <p:spPr>
+          <a:xfrm>
+            <a:off x="2052570" y="4600149"/>
+            <a:ext cx="1350000" cy="366000"/>
           </a:xfrm>
           <a:prstGeom prst="rect">
             <a:avLst/>
@@ -6023,7 +5956,7 @@
     </p:spTree>
     <p:extLst>
       <p:ext uri="{BB962C8B-B14F-4D97-AF65-F5344CB8AC3E}">
-        <p14:creationId xmlns:p14="http://schemas.microsoft.com/office/powerpoint/2010/main" val="4285664138"/>
+        <p14:creationId xmlns:p14="http://schemas.microsoft.com/office/powerpoint/2010/main" val="3810885099"/>
       </p:ext>
     </p:extLst>
   </p:cSld>
